--- a/data_621/FinalProject/COVID-19.pptx
+++ b/data_621/FinalProject/COVID-19.pptx
@@ -111,6 +111,11 @@
       </a:defRPr>
     </a:lvl9pPr>
   </p:defaultTextStyle>
+  <p:extLst>
+    <p:ext uri="{EFAFB233-063F-42B5-8137-9DF3F51BA10A}">
+      <p15:sldGuideLst xmlns:p15="http://schemas.microsoft.com/office/powerpoint/2012/main"/>
+    </p:ext>
+  </p:extLst>
 </p:presentation>
 </file>
 
@@ -3362,11 +3367,7 @@
             </a:pPr>
             <a:r>
               <a:rPr lang="en-US" sz="2000" dirty="0" smtClean="0"/>
-              <a:t>Countries across the world chose different strategies like herd immunity, recommendation for social distancing measures, strict enforcing </a:t>
-            </a:r>
-            <a:r>
-              <a:rPr lang="en-US" sz="2000" dirty="0" smtClean="0"/>
-              <a:t>social distancing etc.</a:t>
+              <a:t>Countries across the world chose different strategies like herd immunity, recommendation for social distancing measures, strict enforcing social distancing etc.</a:t>
             </a:r>
           </a:p>
           <a:p>
@@ -3411,7 +3412,6 @@
               <a:rPr lang="en-US" sz="2000" dirty="0" smtClean="0"/>
               <a:t>This project had its challenges because we are in the middle of this crisis and this situation is still emerging. There are not many datasets or historical data for this kind of virus. Since we are still in the middle of this pandemic we only can hope our conclusions are correct. For example what would be the conclusion if there are multiple waves. How would society view loss of economy vs health etc. This story is still being told. However we need this study to find solution to the problem we are still facing. </a:t>
             </a:r>
-            <a:endParaRPr lang="en-US" sz="2000" dirty="0" smtClean="0"/>
           </a:p>
           <a:p>
             <a:pPr>
